--- a/Applied Statistics Project Template.pptx
+++ b/Applied Statistics Project Template.pptx
@@ -1297,7 +1297,7 @@
           </a:p>
           <a:p>
             <a:r>
-              <a:rPr lang="en-US" sz="2400" dirty="0"/>
+              <a:rPr lang="en-US" sz="2400" b="1" dirty="0"/>
               <a:t>Possible deviations:</a:t>
             </a:r>
           </a:p>
